--- a/figures/explain_visual.pptx
+++ b/figures/explain_visual.pptx
@@ -7,6 +7,8 @@
   <p:sldIdLst>
     <p:sldId id="256" r:id="rId2"/>
     <p:sldId id="257" r:id="rId3"/>
+    <p:sldId id="258" r:id="rId4"/>
+    <p:sldId id="260" r:id="rId5"/>
   </p:sldIdLst>
   <p:sldSz cx="12192000" cy="6858000"/>
   <p:notesSz cx="6858000" cy="9144000"/>
@@ -260,7 +262,7 @@
           <a:p>
             <a:fld id="{6488E234-0B07-AE49-B99D-235670960202}" type="datetimeFigureOut">
               <a:rPr lang="en-US" smtClean="0"/>
-              <a:t>7/12/23</a:t>
+              <a:t>7/18/23</a:t>
             </a:fld>
             <a:endParaRPr lang="en-US"/>
           </a:p>
@@ -458,7 +460,7 @@
           <a:p>
             <a:fld id="{6488E234-0B07-AE49-B99D-235670960202}" type="datetimeFigureOut">
               <a:rPr lang="en-US" smtClean="0"/>
-              <a:t>7/12/23</a:t>
+              <a:t>7/18/23</a:t>
             </a:fld>
             <a:endParaRPr lang="en-US"/>
           </a:p>
@@ -666,7 +668,7 @@
           <a:p>
             <a:fld id="{6488E234-0B07-AE49-B99D-235670960202}" type="datetimeFigureOut">
               <a:rPr lang="en-US" smtClean="0"/>
-              <a:t>7/12/23</a:t>
+              <a:t>7/18/23</a:t>
             </a:fld>
             <a:endParaRPr lang="en-US"/>
           </a:p>
@@ -864,7 +866,7 @@
           <a:p>
             <a:fld id="{6488E234-0B07-AE49-B99D-235670960202}" type="datetimeFigureOut">
               <a:rPr lang="en-US" smtClean="0"/>
-              <a:t>7/12/23</a:t>
+              <a:t>7/18/23</a:t>
             </a:fld>
             <a:endParaRPr lang="en-US"/>
           </a:p>
@@ -1139,7 +1141,7 @@
           <a:p>
             <a:fld id="{6488E234-0B07-AE49-B99D-235670960202}" type="datetimeFigureOut">
               <a:rPr lang="en-US" smtClean="0"/>
-              <a:t>7/12/23</a:t>
+              <a:t>7/18/23</a:t>
             </a:fld>
             <a:endParaRPr lang="en-US"/>
           </a:p>
@@ -1404,7 +1406,7 @@
           <a:p>
             <a:fld id="{6488E234-0B07-AE49-B99D-235670960202}" type="datetimeFigureOut">
               <a:rPr lang="en-US" smtClean="0"/>
-              <a:t>7/12/23</a:t>
+              <a:t>7/18/23</a:t>
             </a:fld>
             <a:endParaRPr lang="en-US"/>
           </a:p>
@@ -1816,7 +1818,7 @@
           <a:p>
             <a:fld id="{6488E234-0B07-AE49-B99D-235670960202}" type="datetimeFigureOut">
               <a:rPr lang="en-US" smtClean="0"/>
-              <a:t>7/12/23</a:t>
+              <a:t>7/18/23</a:t>
             </a:fld>
             <a:endParaRPr lang="en-US"/>
           </a:p>
@@ -1957,7 +1959,7 @@
           <a:p>
             <a:fld id="{6488E234-0B07-AE49-B99D-235670960202}" type="datetimeFigureOut">
               <a:rPr lang="en-US" smtClean="0"/>
-              <a:t>7/12/23</a:t>
+              <a:t>7/18/23</a:t>
             </a:fld>
             <a:endParaRPr lang="en-US"/>
           </a:p>
@@ -2070,7 +2072,7 @@
           <a:p>
             <a:fld id="{6488E234-0B07-AE49-B99D-235670960202}" type="datetimeFigureOut">
               <a:rPr lang="en-US" smtClean="0"/>
-              <a:t>7/12/23</a:t>
+              <a:t>7/18/23</a:t>
             </a:fld>
             <a:endParaRPr lang="en-US"/>
           </a:p>
@@ -2381,7 +2383,7 @@
           <a:p>
             <a:fld id="{6488E234-0B07-AE49-B99D-235670960202}" type="datetimeFigureOut">
               <a:rPr lang="en-US" smtClean="0"/>
-              <a:t>7/12/23</a:t>
+              <a:t>7/18/23</a:t>
             </a:fld>
             <a:endParaRPr lang="en-US"/>
           </a:p>
@@ -2669,7 +2671,7 @@
           <a:p>
             <a:fld id="{6488E234-0B07-AE49-B99D-235670960202}" type="datetimeFigureOut">
               <a:rPr lang="en-US" smtClean="0"/>
-              <a:t>7/12/23</a:t>
+              <a:t>7/18/23</a:t>
             </a:fld>
             <a:endParaRPr lang="en-US"/>
           </a:p>
@@ -2910,7 +2912,7 @@
           <a:p>
             <a:fld id="{6488E234-0B07-AE49-B99D-235670960202}" type="datetimeFigureOut">
               <a:rPr lang="en-US" smtClean="0"/>
-              <a:t>7/12/23</a:t>
+              <a:t>7/18/23</a:t>
             </a:fld>
             <a:endParaRPr lang="en-US"/>
           </a:p>
@@ -7521,6 +7523,2044 @@
 </p:sld>
 </file>
 
+<file path=ppt/slides/slide3.xml><?xml version="1.0" encoding="utf-8"?>
+<p:sld xmlns:a="http://schemas.openxmlformats.org/drawingml/2006/main" xmlns:r="http://schemas.openxmlformats.org/officeDocument/2006/relationships" xmlns:p="http://schemas.openxmlformats.org/presentationml/2006/main">
+  <p:cSld>
+    <p:spTree>
+      <p:nvGrpSpPr>
+        <p:cNvPr id="1" name=""/>
+        <p:cNvGrpSpPr/>
+        <p:nvPr/>
+      </p:nvGrpSpPr>
+      <p:grpSpPr>
+        <a:xfrm>
+          <a:off x="0" y="0"/>
+          <a:ext cx="0" cy="0"/>
+          <a:chOff x="0" y="0"/>
+          <a:chExt cx="0" cy="0"/>
+        </a:xfrm>
+      </p:grpSpPr>
+      <p:graphicFrame>
+        <p:nvGraphicFramePr>
+          <p:cNvPr id="6" name="Table 6">
+            <a:extLst>
+              <a:ext uri="{FF2B5EF4-FFF2-40B4-BE49-F238E27FC236}">
+                <a16:creationId xmlns:a16="http://schemas.microsoft.com/office/drawing/2014/main" id="{882ADE17-93CB-68B6-DE43-A5CB99FAB028}"/>
+              </a:ext>
+            </a:extLst>
+          </p:cNvPr>
+          <p:cNvGraphicFramePr>
+            <a:graphicFrameLocks noGrp="1"/>
+          </p:cNvGraphicFramePr>
+          <p:nvPr>
+            <p:extLst>
+              <p:ext uri="{D42A27DB-BD31-4B8C-83A1-F6EECF244321}">
+                <p14:modId xmlns:p14="http://schemas.microsoft.com/office/powerpoint/2010/main" val="2141434292"/>
+              </p:ext>
+            </p:extLst>
+          </p:nvPr>
+        </p:nvGraphicFramePr>
+        <p:xfrm>
+          <a:off x="2041940" y="2584174"/>
+          <a:ext cx="2788478" cy="3030408"/>
+        </p:xfrm>
+        <a:graphic>
+          <a:graphicData uri="http://schemas.openxmlformats.org/drawingml/2006/table">
+            <a:tbl>
+              <a:tblPr firstRow="1" bandRow="1">
+                <a:tableStyleId>{5940675A-B579-460E-94D1-54222C63F5DA}</a:tableStyleId>
+              </a:tblPr>
+              <a:tblGrid>
+                <a:gridCol w="398354">
+                  <a:extLst>
+                    <a:ext uri="{9D8B030D-6E8A-4147-A177-3AD203B41FA5}">
+                      <a16:colId xmlns:a16="http://schemas.microsoft.com/office/drawing/2014/main" val="3070575388"/>
+                    </a:ext>
+                  </a:extLst>
+                </a:gridCol>
+                <a:gridCol w="398354">
+                  <a:extLst>
+                    <a:ext uri="{9D8B030D-6E8A-4147-A177-3AD203B41FA5}">
+                      <a16:colId xmlns:a16="http://schemas.microsoft.com/office/drawing/2014/main" val="2395425546"/>
+                    </a:ext>
+                  </a:extLst>
+                </a:gridCol>
+                <a:gridCol w="398354">
+                  <a:extLst>
+                    <a:ext uri="{9D8B030D-6E8A-4147-A177-3AD203B41FA5}">
+                      <a16:colId xmlns:a16="http://schemas.microsoft.com/office/drawing/2014/main" val="2552436019"/>
+                    </a:ext>
+                  </a:extLst>
+                </a:gridCol>
+                <a:gridCol w="398354">
+                  <a:extLst>
+                    <a:ext uri="{9D8B030D-6E8A-4147-A177-3AD203B41FA5}">
+                      <a16:colId xmlns:a16="http://schemas.microsoft.com/office/drawing/2014/main" val="4184133778"/>
+                    </a:ext>
+                  </a:extLst>
+                </a:gridCol>
+                <a:gridCol w="398354">
+                  <a:extLst>
+                    <a:ext uri="{9D8B030D-6E8A-4147-A177-3AD203B41FA5}">
+                      <a16:colId xmlns:a16="http://schemas.microsoft.com/office/drawing/2014/main" val="3878834339"/>
+                    </a:ext>
+                  </a:extLst>
+                </a:gridCol>
+                <a:gridCol w="398354">
+                  <a:extLst>
+                    <a:ext uri="{9D8B030D-6E8A-4147-A177-3AD203B41FA5}">
+                      <a16:colId xmlns:a16="http://schemas.microsoft.com/office/drawing/2014/main" val="999860423"/>
+                    </a:ext>
+                  </a:extLst>
+                </a:gridCol>
+                <a:gridCol w="398354">
+                  <a:extLst>
+                    <a:ext uri="{9D8B030D-6E8A-4147-A177-3AD203B41FA5}">
+                      <a16:colId xmlns:a16="http://schemas.microsoft.com/office/drawing/2014/main" val="1524623552"/>
+                    </a:ext>
+                  </a:extLst>
+                </a:gridCol>
+              </a:tblGrid>
+              <a:tr h="378801">
+                <a:tc>
+                  <a:txBody>
+                    <a:bodyPr/>
+                    <a:lstStyle/>
+                    <a:p>
+                      <a:endParaRPr lang="en-US"/>
+                    </a:p>
+                  </a:txBody>
+                  <a:tcPr/>
+                </a:tc>
+                <a:tc>
+                  <a:txBody>
+                    <a:bodyPr/>
+                    <a:lstStyle/>
+                    <a:p>
+                      <a:endParaRPr lang="en-US"/>
+                    </a:p>
+                  </a:txBody>
+                  <a:tcPr/>
+                </a:tc>
+                <a:tc>
+                  <a:txBody>
+                    <a:bodyPr/>
+                    <a:lstStyle/>
+                    <a:p>
+                      <a:endParaRPr lang="en-US"/>
+                    </a:p>
+                  </a:txBody>
+                  <a:tcPr/>
+                </a:tc>
+                <a:tc>
+                  <a:txBody>
+                    <a:bodyPr/>
+                    <a:lstStyle/>
+                    <a:p>
+                      <a:endParaRPr lang="en-US"/>
+                    </a:p>
+                  </a:txBody>
+                  <a:tcPr/>
+                </a:tc>
+                <a:tc>
+                  <a:txBody>
+                    <a:bodyPr/>
+                    <a:lstStyle/>
+                    <a:p>
+                      <a:endParaRPr lang="en-US"/>
+                    </a:p>
+                  </a:txBody>
+                  <a:tcPr/>
+                </a:tc>
+                <a:tc>
+                  <a:txBody>
+                    <a:bodyPr/>
+                    <a:lstStyle/>
+                    <a:p>
+                      <a:endParaRPr lang="en-US"/>
+                    </a:p>
+                  </a:txBody>
+                  <a:tcPr/>
+                </a:tc>
+                <a:tc>
+                  <a:txBody>
+                    <a:bodyPr/>
+                    <a:lstStyle/>
+                    <a:p>
+                      <a:endParaRPr lang="en-US"/>
+                    </a:p>
+                  </a:txBody>
+                  <a:tcPr/>
+                </a:tc>
+                <a:extLst>
+                  <a:ext uri="{0D108BD9-81ED-4DB2-BD59-A6C34878D82A}">
+                    <a16:rowId xmlns:a16="http://schemas.microsoft.com/office/drawing/2014/main" val="2309548737"/>
+                  </a:ext>
+                </a:extLst>
+              </a:tr>
+              <a:tr h="378801">
+                <a:tc>
+                  <a:txBody>
+                    <a:bodyPr/>
+                    <a:lstStyle/>
+                    <a:p>
+                      <a:endParaRPr lang="en-US"/>
+                    </a:p>
+                  </a:txBody>
+                  <a:tcPr/>
+                </a:tc>
+                <a:tc>
+                  <a:txBody>
+                    <a:bodyPr/>
+                    <a:lstStyle/>
+                    <a:p>
+                      <a:endParaRPr lang="en-US"/>
+                    </a:p>
+                  </a:txBody>
+                  <a:tcPr/>
+                </a:tc>
+                <a:tc>
+                  <a:txBody>
+                    <a:bodyPr/>
+                    <a:lstStyle/>
+                    <a:p>
+                      <a:endParaRPr lang="en-US"/>
+                    </a:p>
+                  </a:txBody>
+                  <a:tcPr/>
+                </a:tc>
+                <a:tc>
+                  <a:txBody>
+                    <a:bodyPr/>
+                    <a:lstStyle/>
+                    <a:p>
+                      <a:endParaRPr lang="en-US"/>
+                    </a:p>
+                  </a:txBody>
+                  <a:tcPr/>
+                </a:tc>
+                <a:tc>
+                  <a:txBody>
+                    <a:bodyPr/>
+                    <a:lstStyle/>
+                    <a:p>
+                      <a:endParaRPr lang="en-US"/>
+                    </a:p>
+                  </a:txBody>
+                  <a:tcPr/>
+                </a:tc>
+                <a:tc>
+                  <a:txBody>
+                    <a:bodyPr/>
+                    <a:lstStyle/>
+                    <a:p>
+                      <a:endParaRPr lang="en-US"/>
+                    </a:p>
+                  </a:txBody>
+                  <a:tcPr/>
+                </a:tc>
+                <a:tc>
+                  <a:txBody>
+                    <a:bodyPr/>
+                    <a:lstStyle/>
+                    <a:p>
+                      <a:endParaRPr lang="en-US"/>
+                    </a:p>
+                  </a:txBody>
+                  <a:tcPr/>
+                </a:tc>
+                <a:extLst>
+                  <a:ext uri="{0D108BD9-81ED-4DB2-BD59-A6C34878D82A}">
+                    <a16:rowId xmlns:a16="http://schemas.microsoft.com/office/drawing/2014/main" val="3494159342"/>
+                  </a:ext>
+                </a:extLst>
+              </a:tr>
+              <a:tr h="378801">
+                <a:tc>
+                  <a:txBody>
+                    <a:bodyPr/>
+                    <a:lstStyle/>
+                    <a:p>
+                      <a:endParaRPr lang="en-US"/>
+                    </a:p>
+                  </a:txBody>
+                  <a:tcPr/>
+                </a:tc>
+                <a:tc>
+                  <a:txBody>
+                    <a:bodyPr/>
+                    <a:lstStyle/>
+                    <a:p>
+                      <a:endParaRPr lang="en-US"/>
+                    </a:p>
+                  </a:txBody>
+                  <a:tcPr/>
+                </a:tc>
+                <a:tc>
+                  <a:txBody>
+                    <a:bodyPr/>
+                    <a:lstStyle/>
+                    <a:p>
+                      <a:endParaRPr lang="en-US"/>
+                    </a:p>
+                  </a:txBody>
+                  <a:tcPr/>
+                </a:tc>
+                <a:tc>
+                  <a:txBody>
+                    <a:bodyPr/>
+                    <a:lstStyle/>
+                    <a:p>
+                      <a:endParaRPr lang="en-US"/>
+                    </a:p>
+                  </a:txBody>
+                  <a:tcPr/>
+                </a:tc>
+                <a:tc>
+                  <a:txBody>
+                    <a:bodyPr/>
+                    <a:lstStyle/>
+                    <a:p>
+                      <a:endParaRPr lang="en-US"/>
+                    </a:p>
+                  </a:txBody>
+                  <a:tcPr/>
+                </a:tc>
+                <a:tc>
+                  <a:txBody>
+                    <a:bodyPr/>
+                    <a:lstStyle/>
+                    <a:p>
+                      <a:endParaRPr lang="en-US"/>
+                    </a:p>
+                  </a:txBody>
+                  <a:tcPr/>
+                </a:tc>
+                <a:tc>
+                  <a:txBody>
+                    <a:bodyPr/>
+                    <a:lstStyle/>
+                    <a:p>
+                      <a:endParaRPr lang="en-US"/>
+                    </a:p>
+                  </a:txBody>
+                  <a:tcPr/>
+                </a:tc>
+                <a:extLst>
+                  <a:ext uri="{0D108BD9-81ED-4DB2-BD59-A6C34878D82A}">
+                    <a16:rowId xmlns:a16="http://schemas.microsoft.com/office/drawing/2014/main" val="1647791409"/>
+                  </a:ext>
+                </a:extLst>
+              </a:tr>
+              <a:tr h="378801">
+                <a:tc>
+                  <a:txBody>
+                    <a:bodyPr/>
+                    <a:lstStyle/>
+                    <a:p>
+                      <a:endParaRPr lang="en-US"/>
+                    </a:p>
+                  </a:txBody>
+                  <a:tcPr/>
+                </a:tc>
+                <a:tc>
+                  <a:txBody>
+                    <a:bodyPr/>
+                    <a:lstStyle/>
+                    <a:p>
+                      <a:endParaRPr lang="en-US"/>
+                    </a:p>
+                  </a:txBody>
+                  <a:tcPr/>
+                </a:tc>
+                <a:tc>
+                  <a:txBody>
+                    <a:bodyPr/>
+                    <a:lstStyle/>
+                    <a:p>
+                      <a:endParaRPr lang="en-US"/>
+                    </a:p>
+                  </a:txBody>
+                  <a:tcPr/>
+                </a:tc>
+                <a:tc>
+                  <a:txBody>
+                    <a:bodyPr/>
+                    <a:lstStyle/>
+                    <a:p>
+                      <a:endParaRPr lang="en-US"/>
+                    </a:p>
+                  </a:txBody>
+                  <a:tcPr/>
+                </a:tc>
+                <a:tc>
+                  <a:txBody>
+                    <a:bodyPr/>
+                    <a:lstStyle/>
+                    <a:p>
+                      <a:endParaRPr lang="en-US"/>
+                    </a:p>
+                  </a:txBody>
+                  <a:tcPr/>
+                </a:tc>
+                <a:tc>
+                  <a:txBody>
+                    <a:bodyPr/>
+                    <a:lstStyle/>
+                    <a:p>
+                      <a:endParaRPr lang="en-US"/>
+                    </a:p>
+                  </a:txBody>
+                  <a:tcPr/>
+                </a:tc>
+                <a:tc>
+                  <a:txBody>
+                    <a:bodyPr/>
+                    <a:lstStyle/>
+                    <a:p>
+                      <a:endParaRPr lang="en-US"/>
+                    </a:p>
+                  </a:txBody>
+                  <a:tcPr/>
+                </a:tc>
+                <a:extLst>
+                  <a:ext uri="{0D108BD9-81ED-4DB2-BD59-A6C34878D82A}">
+                    <a16:rowId xmlns:a16="http://schemas.microsoft.com/office/drawing/2014/main" val="2706902964"/>
+                  </a:ext>
+                </a:extLst>
+              </a:tr>
+              <a:tr h="378801">
+                <a:tc>
+                  <a:txBody>
+                    <a:bodyPr/>
+                    <a:lstStyle/>
+                    <a:p>
+                      <a:endParaRPr lang="en-US"/>
+                    </a:p>
+                  </a:txBody>
+                  <a:tcPr/>
+                </a:tc>
+                <a:tc>
+                  <a:txBody>
+                    <a:bodyPr/>
+                    <a:lstStyle/>
+                    <a:p>
+                      <a:endParaRPr lang="en-US"/>
+                    </a:p>
+                  </a:txBody>
+                  <a:tcPr/>
+                </a:tc>
+                <a:tc>
+                  <a:txBody>
+                    <a:bodyPr/>
+                    <a:lstStyle/>
+                    <a:p>
+                      <a:endParaRPr lang="en-US"/>
+                    </a:p>
+                  </a:txBody>
+                  <a:tcPr/>
+                </a:tc>
+                <a:tc>
+                  <a:txBody>
+                    <a:bodyPr/>
+                    <a:lstStyle/>
+                    <a:p>
+                      <a:endParaRPr lang="en-US"/>
+                    </a:p>
+                  </a:txBody>
+                  <a:tcPr/>
+                </a:tc>
+                <a:tc>
+                  <a:txBody>
+                    <a:bodyPr/>
+                    <a:lstStyle/>
+                    <a:p>
+                      <a:endParaRPr lang="en-US"/>
+                    </a:p>
+                  </a:txBody>
+                  <a:tcPr/>
+                </a:tc>
+                <a:tc>
+                  <a:txBody>
+                    <a:bodyPr/>
+                    <a:lstStyle/>
+                    <a:p>
+                      <a:endParaRPr lang="en-US"/>
+                    </a:p>
+                  </a:txBody>
+                  <a:tcPr/>
+                </a:tc>
+                <a:tc>
+                  <a:txBody>
+                    <a:bodyPr/>
+                    <a:lstStyle/>
+                    <a:p>
+                      <a:endParaRPr lang="en-US"/>
+                    </a:p>
+                  </a:txBody>
+                  <a:tcPr/>
+                </a:tc>
+                <a:extLst>
+                  <a:ext uri="{0D108BD9-81ED-4DB2-BD59-A6C34878D82A}">
+                    <a16:rowId xmlns:a16="http://schemas.microsoft.com/office/drawing/2014/main" val="3690159601"/>
+                  </a:ext>
+                </a:extLst>
+              </a:tr>
+              <a:tr h="378801">
+                <a:tc>
+                  <a:txBody>
+                    <a:bodyPr/>
+                    <a:lstStyle/>
+                    <a:p>
+                      <a:endParaRPr lang="en-US"/>
+                    </a:p>
+                  </a:txBody>
+                  <a:tcPr/>
+                </a:tc>
+                <a:tc>
+                  <a:txBody>
+                    <a:bodyPr/>
+                    <a:lstStyle/>
+                    <a:p>
+                      <a:endParaRPr lang="en-US"/>
+                    </a:p>
+                  </a:txBody>
+                  <a:tcPr/>
+                </a:tc>
+                <a:tc>
+                  <a:txBody>
+                    <a:bodyPr/>
+                    <a:lstStyle/>
+                    <a:p>
+                      <a:endParaRPr lang="en-US"/>
+                    </a:p>
+                  </a:txBody>
+                  <a:tcPr/>
+                </a:tc>
+                <a:tc>
+                  <a:txBody>
+                    <a:bodyPr/>
+                    <a:lstStyle/>
+                    <a:p>
+                      <a:endParaRPr lang="en-US"/>
+                    </a:p>
+                  </a:txBody>
+                  <a:tcPr/>
+                </a:tc>
+                <a:tc>
+                  <a:txBody>
+                    <a:bodyPr/>
+                    <a:lstStyle/>
+                    <a:p>
+                      <a:endParaRPr lang="en-US"/>
+                    </a:p>
+                  </a:txBody>
+                  <a:tcPr/>
+                </a:tc>
+                <a:tc>
+                  <a:txBody>
+                    <a:bodyPr/>
+                    <a:lstStyle/>
+                    <a:p>
+                      <a:endParaRPr lang="en-US"/>
+                    </a:p>
+                  </a:txBody>
+                  <a:tcPr/>
+                </a:tc>
+                <a:tc>
+                  <a:txBody>
+                    <a:bodyPr/>
+                    <a:lstStyle/>
+                    <a:p>
+                      <a:endParaRPr lang="en-US"/>
+                    </a:p>
+                  </a:txBody>
+                  <a:tcPr/>
+                </a:tc>
+                <a:extLst>
+                  <a:ext uri="{0D108BD9-81ED-4DB2-BD59-A6C34878D82A}">
+                    <a16:rowId xmlns:a16="http://schemas.microsoft.com/office/drawing/2014/main" val="3441390955"/>
+                  </a:ext>
+                </a:extLst>
+              </a:tr>
+              <a:tr h="378801">
+                <a:tc>
+                  <a:txBody>
+                    <a:bodyPr/>
+                    <a:lstStyle/>
+                    <a:p>
+                      <a:endParaRPr lang="en-US"/>
+                    </a:p>
+                  </a:txBody>
+                  <a:tcPr/>
+                </a:tc>
+                <a:tc>
+                  <a:txBody>
+                    <a:bodyPr/>
+                    <a:lstStyle/>
+                    <a:p>
+                      <a:endParaRPr lang="en-US"/>
+                    </a:p>
+                  </a:txBody>
+                  <a:tcPr/>
+                </a:tc>
+                <a:tc>
+                  <a:txBody>
+                    <a:bodyPr/>
+                    <a:lstStyle/>
+                    <a:p>
+                      <a:endParaRPr lang="en-US"/>
+                    </a:p>
+                  </a:txBody>
+                  <a:tcPr/>
+                </a:tc>
+                <a:tc>
+                  <a:txBody>
+                    <a:bodyPr/>
+                    <a:lstStyle/>
+                    <a:p>
+                      <a:endParaRPr lang="en-US"/>
+                    </a:p>
+                  </a:txBody>
+                  <a:tcPr/>
+                </a:tc>
+                <a:tc>
+                  <a:txBody>
+                    <a:bodyPr/>
+                    <a:lstStyle/>
+                    <a:p>
+                      <a:endParaRPr lang="en-US"/>
+                    </a:p>
+                  </a:txBody>
+                  <a:tcPr/>
+                </a:tc>
+                <a:tc>
+                  <a:txBody>
+                    <a:bodyPr/>
+                    <a:lstStyle/>
+                    <a:p>
+                      <a:endParaRPr lang="en-US"/>
+                    </a:p>
+                  </a:txBody>
+                  <a:tcPr/>
+                </a:tc>
+                <a:tc>
+                  <a:txBody>
+                    <a:bodyPr/>
+                    <a:lstStyle/>
+                    <a:p>
+                      <a:endParaRPr lang="en-US"/>
+                    </a:p>
+                  </a:txBody>
+                  <a:tcPr/>
+                </a:tc>
+                <a:extLst>
+                  <a:ext uri="{0D108BD9-81ED-4DB2-BD59-A6C34878D82A}">
+                    <a16:rowId xmlns:a16="http://schemas.microsoft.com/office/drawing/2014/main" val="2252136283"/>
+                  </a:ext>
+                </a:extLst>
+              </a:tr>
+              <a:tr h="378801">
+                <a:tc>
+                  <a:txBody>
+                    <a:bodyPr/>
+                    <a:lstStyle/>
+                    <a:p>
+                      <a:endParaRPr lang="en-US"/>
+                    </a:p>
+                  </a:txBody>
+                  <a:tcPr/>
+                </a:tc>
+                <a:tc>
+                  <a:txBody>
+                    <a:bodyPr/>
+                    <a:lstStyle/>
+                    <a:p>
+                      <a:endParaRPr lang="en-US"/>
+                    </a:p>
+                  </a:txBody>
+                  <a:tcPr/>
+                </a:tc>
+                <a:tc>
+                  <a:txBody>
+                    <a:bodyPr/>
+                    <a:lstStyle/>
+                    <a:p>
+                      <a:endParaRPr lang="en-US"/>
+                    </a:p>
+                  </a:txBody>
+                  <a:tcPr/>
+                </a:tc>
+                <a:tc>
+                  <a:txBody>
+                    <a:bodyPr/>
+                    <a:lstStyle/>
+                    <a:p>
+                      <a:endParaRPr lang="en-US"/>
+                    </a:p>
+                  </a:txBody>
+                  <a:tcPr/>
+                </a:tc>
+                <a:tc>
+                  <a:txBody>
+                    <a:bodyPr/>
+                    <a:lstStyle/>
+                    <a:p>
+                      <a:endParaRPr lang="en-US"/>
+                    </a:p>
+                  </a:txBody>
+                  <a:tcPr/>
+                </a:tc>
+                <a:tc>
+                  <a:txBody>
+                    <a:bodyPr/>
+                    <a:lstStyle/>
+                    <a:p>
+                      <a:endParaRPr lang="en-US"/>
+                    </a:p>
+                  </a:txBody>
+                  <a:tcPr/>
+                </a:tc>
+                <a:tc>
+                  <a:txBody>
+                    <a:bodyPr/>
+                    <a:lstStyle/>
+                    <a:p>
+                      <a:endParaRPr lang="en-US" dirty="0"/>
+                    </a:p>
+                  </a:txBody>
+                  <a:tcPr/>
+                </a:tc>
+                <a:extLst>
+                  <a:ext uri="{0D108BD9-81ED-4DB2-BD59-A6C34878D82A}">
+                    <a16:rowId xmlns:a16="http://schemas.microsoft.com/office/drawing/2014/main" val="982122193"/>
+                  </a:ext>
+                </a:extLst>
+              </a:tr>
+            </a:tbl>
+          </a:graphicData>
+        </a:graphic>
+      </p:graphicFrame>
+      <p:graphicFrame>
+        <p:nvGraphicFramePr>
+          <p:cNvPr id="7" name="Table 7">
+            <a:extLst>
+              <a:ext uri="{FF2B5EF4-FFF2-40B4-BE49-F238E27FC236}">
+                <a16:creationId xmlns:a16="http://schemas.microsoft.com/office/drawing/2014/main" id="{018A98D2-D85E-6C27-70AD-6AF3130AC5A5}"/>
+              </a:ext>
+            </a:extLst>
+          </p:cNvPr>
+          <p:cNvGraphicFramePr>
+            <a:graphicFrameLocks noGrp="1"/>
+          </p:cNvGraphicFramePr>
+          <p:nvPr>
+            <p:extLst>
+              <p:ext uri="{D42A27DB-BD31-4B8C-83A1-F6EECF244321}">
+                <p14:modId xmlns:p14="http://schemas.microsoft.com/office/powerpoint/2010/main" val="720975555"/>
+              </p:ext>
+            </p:extLst>
+          </p:nvPr>
+        </p:nvGraphicFramePr>
+        <p:xfrm>
+          <a:off x="5301975" y="2584174"/>
+          <a:ext cx="383208" cy="3030408"/>
+        </p:xfrm>
+        <a:graphic>
+          <a:graphicData uri="http://schemas.openxmlformats.org/drawingml/2006/table">
+            <a:tbl>
+              <a:tblPr firstRow="1" bandRow="1">
+                <a:tableStyleId>{5940675A-B579-460E-94D1-54222C63F5DA}</a:tableStyleId>
+              </a:tblPr>
+              <a:tblGrid>
+                <a:gridCol w="383208">
+                  <a:extLst>
+                    <a:ext uri="{9D8B030D-6E8A-4147-A177-3AD203B41FA5}">
+                      <a16:colId xmlns:a16="http://schemas.microsoft.com/office/drawing/2014/main" val="185898145"/>
+                    </a:ext>
+                  </a:extLst>
+                </a:gridCol>
+              </a:tblGrid>
+              <a:tr h="378801">
+                <a:tc>
+                  <a:txBody>
+                    <a:bodyPr/>
+                    <a:lstStyle/>
+                    <a:p>
+                      <a:r>
+                        <a:rPr lang="en-US" sz="800" dirty="0"/>
+                        <a:t>ID17</a:t>
+                      </a:r>
+                    </a:p>
+                  </a:txBody>
+                  <a:tcPr anchor="ctr"/>
+                </a:tc>
+                <a:extLst>
+                  <a:ext uri="{0D108BD9-81ED-4DB2-BD59-A6C34878D82A}">
+                    <a16:rowId xmlns:a16="http://schemas.microsoft.com/office/drawing/2014/main" val="2573920803"/>
+                  </a:ext>
+                </a:extLst>
+              </a:tr>
+              <a:tr h="378801">
+                <a:tc>
+                  <a:txBody>
+                    <a:bodyPr/>
+                    <a:lstStyle/>
+                    <a:p>
+                      <a:endParaRPr lang="en-US" sz="1400"/>
+                    </a:p>
+                  </a:txBody>
+                  <a:tcPr/>
+                </a:tc>
+                <a:extLst>
+                  <a:ext uri="{0D108BD9-81ED-4DB2-BD59-A6C34878D82A}">
+                    <a16:rowId xmlns:a16="http://schemas.microsoft.com/office/drawing/2014/main" val="2877120730"/>
+                  </a:ext>
+                </a:extLst>
+              </a:tr>
+              <a:tr h="378801">
+                <a:tc>
+                  <a:txBody>
+                    <a:bodyPr/>
+                    <a:lstStyle/>
+                    <a:p>
+                      <a:endParaRPr lang="en-US" sz="1400"/>
+                    </a:p>
+                  </a:txBody>
+                  <a:tcPr/>
+                </a:tc>
+                <a:extLst>
+                  <a:ext uri="{0D108BD9-81ED-4DB2-BD59-A6C34878D82A}">
+                    <a16:rowId xmlns:a16="http://schemas.microsoft.com/office/drawing/2014/main" val="1998630980"/>
+                  </a:ext>
+                </a:extLst>
+              </a:tr>
+              <a:tr h="378801">
+                <a:tc>
+                  <a:txBody>
+                    <a:bodyPr/>
+                    <a:lstStyle/>
+                    <a:p>
+                      <a:endParaRPr lang="en-US" sz="1400"/>
+                    </a:p>
+                  </a:txBody>
+                  <a:tcPr/>
+                </a:tc>
+                <a:extLst>
+                  <a:ext uri="{0D108BD9-81ED-4DB2-BD59-A6C34878D82A}">
+                    <a16:rowId xmlns:a16="http://schemas.microsoft.com/office/drawing/2014/main" val="3620169655"/>
+                  </a:ext>
+                </a:extLst>
+              </a:tr>
+              <a:tr h="378801">
+                <a:tc>
+                  <a:txBody>
+                    <a:bodyPr/>
+                    <a:lstStyle/>
+                    <a:p>
+                      <a:endParaRPr lang="en-US" sz="1400"/>
+                    </a:p>
+                  </a:txBody>
+                  <a:tcPr/>
+                </a:tc>
+                <a:extLst>
+                  <a:ext uri="{0D108BD9-81ED-4DB2-BD59-A6C34878D82A}">
+                    <a16:rowId xmlns:a16="http://schemas.microsoft.com/office/drawing/2014/main" val="262126158"/>
+                  </a:ext>
+                </a:extLst>
+              </a:tr>
+              <a:tr h="378801">
+                <a:tc>
+                  <a:txBody>
+                    <a:bodyPr/>
+                    <a:lstStyle/>
+                    <a:p>
+                      <a:endParaRPr lang="en-US" sz="1400"/>
+                    </a:p>
+                  </a:txBody>
+                  <a:tcPr/>
+                </a:tc>
+                <a:extLst>
+                  <a:ext uri="{0D108BD9-81ED-4DB2-BD59-A6C34878D82A}">
+                    <a16:rowId xmlns:a16="http://schemas.microsoft.com/office/drawing/2014/main" val="408156576"/>
+                  </a:ext>
+                </a:extLst>
+              </a:tr>
+              <a:tr h="378801">
+                <a:tc>
+                  <a:txBody>
+                    <a:bodyPr/>
+                    <a:lstStyle/>
+                    <a:p>
+                      <a:endParaRPr lang="en-US" sz="1400"/>
+                    </a:p>
+                  </a:txBody>
+                  <a:tcPr/>
+                </a:tc>
+                <a:extLst>
+                  <a:ext uri="{0D108BD9-81ED-4DB2-BD59-A6C34878D82A}">
+                    <a16:rowId xmlns:a16="http://schemas.microsoft.com/office/drawing/2014/main" val="2154151686"/>
+                  </a:ext>
+                </a:extLst>
+              </a:tr>
+              <a:tr h="378801">
+                <a:tc>
+                  <a:txBody>
+                    <a:bodyPr/>
+                    <a:lstStyle/>
+                    <a:p>
+                      <a:endParaRPr lang="en-US" sz="1400" dirty="0"/>
+                    </a:p>
+                  </a:txBody>
+                  <a:tcPr/>
+                </a:tc>
+                <a:extLst>
+                  <a:ext uri="{0D108BD9-81ED-4DB2-BD59-A6C34878D82A}">
+                    <a16:rowId xmlns:a16="http://schemas.microsoft.com/office/drawing/2014/main" val="1012560264"/>
+                  </a:ext>
+                </a:extLst>
+              </a:tr>
+            </a:tbl>
+          </a:graphicData>
+        </a:graphic>
+      </p:graphicFrame>
+      <p:sp>
+        <p:nvSpPr>
+          <p:cNvPr id="8" name="Left Brace 7">
+            <a:extLst>
+              <a:ext uri="{FF2B5EF4-FFF2-40B4-BE49-F238E27FC236}">
+                <a16:creationId xmlns:a16="http://schemas.microsoft.com/office/drawing/2014/main" id="{E2ABF124-C1E7-BE9D-D7FA-B2DB4DD5A598}"/>
+              </a:ext>
+            </a:extLst>
+          </p:cNvPr>
+          <p:cNvSpPr/>
+          <p:nvPr/>
+        </p:nvSpPr>
+        <p:spPr>
+          <a:xfrm>
+            <a:off x="1759226" y="2584174"/>
+            <a:ext cx="149087" cy="387626"/>
+          </a:xfrm>
+          <a:prstGeom prst="leftBrace">
+            <a:avLst/>
+          </a:prstGeom>
+        </p:spPr>
+        <p:style>
+          <a:lnRef idx="1">
+            <a:schemeClr val="dk1"/>
+          </a:lnRef>
+          <a:fillRef idx="0">
+            <a:schemeClr val="dk1"/>
+          </a:fillRef>
+          <a:effectRef idx="0">
+            <a:schemeClr val="dk1"/>
+          </a:effectRef>
+          <a:fontRef idx="minor">
+            <a:schemeClr val="tx1"/>
+          </a:fontRef>
+        </p:style>
+        <p:txBody>
+          <a:bodyPr rtlCol="0" anchor="ctr"/>
+          <a:lstStyle/>
+          <a:p>
+            <a:pPr algn="ctr"/>
+            <a:endParaRPr lang="en-US" dirty="0"/>
+          </a:p>
+        </p:txBody>
+      </p:sp>
+      <mc:AlternateContent xmlns:mc="http://schemas.openxmlformats.org/markup-compatibility/2006">
+        <mc:Choice xmlns:a14="http://schemas.microsoft.com/office/drawing/2010/main" Requires="a14">
+          <p:sp>
+            <p:nvSpPr>
+              <p:cNvPr id="9" name="TextBox 8">
+                <a:extLst>
+                  <a:ext uri="{FF2B5EF4-FFF2-40B4-BE49-F238E27FC236}">
+                    <a16:creationId xmlns:a16="http://schemas.microsoft.com/office/drawing/2014/main" id="{E8D65AB0-102D-BFB6-3C16-64CF2F0EA428}"/>
+                  </a:ext>
+                </a:extLst>
+              </p:cNvPr>
+              <p:cNvSpPr txBox="1"/>
+              <p:nvPr/>
+            </p:nvSpPr>
+            <p:spPr>
+              <a:xfrm>
+                <a:off x="1497207" y="2602468"/>
+                <a:ext cx="318613" cy="369332"/>
+              </a:xfrm>
+              <a:prstGeom prst="rect">
+                <a:avLst/>
+              </a:prstGeom>
+              <a:noFill/>
+            </p:spPr>
+            <p:txBody>
+              <a:bodyPr wrap="none" rtlCol="0">
+                <a:spAutoFit/>
+              </a:bodyPr>
+              <a:lstStyle/>
+              <a:p>
+                <a14:m>
+                  <m:oMathPara xmlns:m="http://schemas.openxmlformats.org/officeDocument/2006/math">
+                    <m:oMathParaPr>
+                      <m:jc m:val="centerGroup"/>
+                    </m:oMathParaPr>
+                    <m:oMath xmlns:m="http://schemas.openxmlformats.org/officeDocument/2006/math">
+                      <m:r>
+                        <a:rPr lang="en-US" b="0" i="1" smtClean="0">
+                          <a:latin typeface="Cambria Math" panose="02040503050406030204" pitchFamily="18" charset="0"/>
+                        </a:rPr>
+                        <m:t>𝑖</m:t>
+                      </m:r>
+                    </m:oMath>
+                  </m:oMathPara>
+                </a14:m>
+                <a:endParaRPr lang="en-US" dirty="0"/>
+              </a:p>
+            </p:txBody>
+          </p:sp>
+        </mc:Choice>
+        <mc:Fallback>
+          <p:sp>
+            <p:nvSpPr>
+              <p:cNvPr id="9" name="TextBox 8">
+                <a:extLst>
+                  <a:ext uri="{FF2B5EF4-FFF2-40B4-BE49-F238E27FC236}">
+                    <a16:creationId xmlns:a16="http://schemas.microsoft.com/office/drawing/2014/main" id="{E8D65AB0-102D-BFB6-3C16-64CF2F0EA428}"/>
+                  </a:ext>
+                </a:extLst>
+              </p:cNvPr>
+              <p:cNvSpPr txBox="1">
+                <a:spLocks noRot="1" noChangeAspect="1" noMove="1" noResize="1" noEditPoints="1" noAdjustHandles="1" noChangeArrowheads="1" noChangeShapeType="1" noTextEdit="1"/>
+              </p:cNvSpPr>
+              <p:nvPr/>
+            </p:nvSpPr>
+            <p:spPr>
+              <a:xfrm>
+                <a:off x="1497207" y="2602468"/>
+                <a:ext cx="318613" cy="369332"/>
+              </a:xfrm>
+              <a:prstGeom prst="rect">
+                <a:avLst/>
+              </a:prstGeom>
+              <a:blipFill>
+                <a:blip r:embed="rId2"/>
+                <a:stretch>
+                  <a:fillRect/>
+                </a:stretch>
+              </a:blipFill>
+            </p:spPr>
+            <p:txBody>
+              <a:bodyPr/>
+              <a:lstStyle/>
+              <a:p>
+                <a:r>
+                  <a:rPr lang="en-US">
+                    <a:noFill/>
+                  </a:rPr>
+                  <a:t> </a:t>
+                </a:r>
+              </a:p>
+            </p:txBody>
+          </p:sp>
+        </mc:Fallback>
+      </mc:AlternateContent>
+      <p:sp>
+        <p:nvSpPr>
+          <p:cNvPr id="10" name="Left Brace 9">
+            <a:extLst>
+              <a:ext uri="{FF2B5EF4-FFF2-40B4-BE49-F238E27FC236}">
+                <a16:creationId xmlns:a16="http://schemas.microsoft.com/office/drawing/2014/main" id="{653D9F78-1AD6-FEF2-B5DC-7ACD10F486CD}"/>
+              </a:ext>
+            </a:extLst>
+          </p:cNvPr>
+          <p:cNvSpPr/>
+          <p:nvPr/>
+        </p:nvSpPr>
+        <p:spPr>
+          <a:xfrm rot="5400000">
+            <a:off x="3285227" y="949531"/>
+            <a:ext cx="301904" cy="2788478"/>
+          </a:xfrm>
+          <a:prstGeom prst="leftBrace">
+            <a:avLst/>
+          </a:prstGeom>
+        </p:spPr>
+        <p:style>
+          <a:lnRef idx="1">
+            <a:schemeClr val="dk1"/>
+          </a:lnRef>
+          <a:fillRef idx="0">
+            <a:schemeClr val="dk1"/>
+          </a:fillRef>
+          <a:effectRef idx="0">
+            <a:schemeClr val="dk1"/>
+          </a:effectRef>
+          <a:fontRef idx="minor">
+            <a:schemeClr val="tx1"/>
+          </a:fontRef>
+        </p:style>
+        <p:txBody>
+          <a:bodyPr rtlCol="0" anchor="ctr"/>
+          <a:lstStyle/>
+          <a:p>
+            <a:pPr algn="ctr"/>
+            <a:endParaRPr lang="en-US"/>
+          </a:p>
+        </p:txBody>
+      </p:sp>
+      <mc:AlternateContent xmlns:mc="http://schemas.openxmlformats.org/markup-compatibility/2006">
+        <mc:Choice xmlns:a14="http://schemas.microsoft.com/office/drawing/2010/main" Requires="a14">
+          <p:sp>
+            <p:nvSpPr>
+              <p:cNvPr id="11" name="TextBox 10">
+                <a:extLst>
+                  <a:ext uri="{FF2B5EF4-FFF2-40B4-BE49-F238E27FC236}">
+                    <a16:creationId xmlns:a16="http://schemas.microsoft.com/office/drawing/2014/main" id="{A720707C-7497-75B2-5582-D0BA209C025E}"/>
+                  </a:ext>
+                </a:extLst>
+              </p:cNvPr>
+              <p:cNvSpPr txBox="1"/>
+              <p:nvPr/>
+            </p:nvSpPr>
+            <p:spPr>
+              <a:xfrm>
+                <a:off x="2439067" y="1826813"/>
+                <a:ext cx="1775743" cy="276999"/>
+              </a:xfrm>
+              <a:prstGeom prst="rect">
+                <a:avLst/>
+              </a:prstGeom>
+              <a:noFill/>
+            </p:spPr>
+            <p:txBody>
+              <a:bodyPr wrap="none" lIns="0" tIns="0" rIns="0" bIns="0" rtlCol="0">
+                <a:spAutoFit/>
+              </a:bodyPr>
+              <a:lstStyle/>
+              <a:p>
+                <a14:m>
+                  <m:oMath xmlns:m="http://schemas.openxmlformats.org/officeDocument/2006/math">
+                    <m:sSup>
+                      <m:sSupPr>
+                        <m:ctrlPr>
+                          <a:rPr lang="en-US" i="1" smtClean="0">
+                            <a:latin typeface="Cambria Math" panose="02040503050406030204" pitchFamily="18" charset="0"/>
+                          </a:rPr>
+                        </m:ctrlPr>
+                      </m:sSupPr>
+                      <m:e>
+                        <m:r>
+                          <a:rPr lang="en-US" b="0" i="1" smtClean="0">
+                            <a:latin typeface="Cambria Math" panose="02040503050406030204" pitchFamily="18" charset="0"/>
+                          </a:rPr>
+                          <m:t>𝑥</m:t>
+                        </m:r>
+                      </m:e>
+                      <m:sup>
+                        <m:r>
+                          <a:rPr lang="en-US" b="0" i="1" smtClean="0">
+                            <a:latin typeface="Cambria Math" panose="02040503050406030204" pitchFamily="18" charset="0"/>
+                          </a:rPr>
+                          <m:t>𝑞</m:t>
+                        </m:r>
+                      </m:sup>
+                    </m:sSup>
+                  </m:oMath>
+                </a14:m>
+                <a:r>
+                  <a:rPr lang="en-US" dirty="0"/>
+                  <a:t> ={</a:t>
+                </a:r>
+                <a14:m>
+                  <m:oMath xmlns:m="http://schemas.openxmlformats.org/officeDocument/2006/math">
+                    <m:sSub>
+                      <m:sSubPr>
+                        <m:ctrlPr>
+                          <a:rPr lang="en-US" i="1" dirty="0" smtClean="0">
+                            <a:latin typeface="Cambria Math" panose="02040503050406030204" pitchFamily="18" charset="0"/>
+                          </a:rPr>
+                        </m:ctrlPr>
+                      </m:sSubPr>
+                      <m:e>
+                        <m:r>
+                          <a:rPr lang="en-US" b="0" i="1" dirty="0" smtClean="0">
+                            <a:latin typeface="Cambria Math" panose="02040503050406030204" pitchFamily="18" charset="0"/>
+                          </a:rPr>
+                          <m:t>𝑥</m:t>
+                        </m:r>
+                      </m:e>
+                      <m:sub>
+                        <m:r>
+                          <a:rPr lang="en-US" b="0" i="1" dirty="0" smtClean="0">
+                            <a:latin typeface="Cambria Math" panose="02040503050406030204" pitchFamily="18" charset="0"/>
+                          </a:rPr>
+                          <m:t>1</m:t>
+                        </m:r>
+                      </m:sub>
+                    </m:sSub>
+                    <m:r>
+                      <a:rPr lang="en-US" b="0" i="1" dirty="0" smtClean="0">
+                        <a:latin typeface="Cambria Math" panose="02040503050406030204" pitchFamily="18" charset="0"/>
+                      </a:rPr>
+                      <m:t>,</m:t>
+                    </m:r>
+                    <m:sSub>
+                      <m:sSubPr>
+                        <m:ctrlPr>
+                          <a:rPr lang="en-US" i="1" dirty="0">
+                            <a:latin typeface="Cambria Math" panose="02040503050406030204" pitchFamily="18" charset="0"/>
+                          </a:rPr>
+                        </m:ctrlPr>
+                      </m:sSubPr>
+                      <m:e>
+                        <m:r>
+                          <a:rPr lang="en-US" i="1" dirty="0">
+                            <a:latin typeface="Cambria Math" panose="02040503050406030204" pitchFamily="18" charset="0"/>
+                          </a:rPr>
+                          <m:t>𝑥</m:t>
+                        </m:r>
+                      </m:e>
+                      <m:sub>
+                        <m:r>
+                          <a:rPr lang="en-US" b="0" i="1" dirty="0" smtClean="0">
+                            <a:latin typeface="Cambria Math" panose="02040503050406030204" pitchFamily="18" charset="0"/>
+                          </a:rPr>
+                          <m:t>2</m:t>
+                        </m:r>
+                      </m:sub>
+                    </m:sSub>
+                    <m:r>
+                      <a:rPr lang="en-US" b="0" i="1" dirty="0" smtClean="0">
+                        <a:latin typeface="Cambria Math" panose="02040503050406030204" pitchFamily="18" charset="0"/>
+                      </a:rPr>
+                      <m:t>,…,</m:t>
+                    </m:r>
+                    <m:sSub>
+                      <m:sSubPr>
+                        <m:ctrlPr>
+                          <a:rPr lang="en-US" i="1" dirty="0">
+                            <a:latin typeface="Cambria Math" panose="02040503050406030204" pitchFamily="18" charset="0"/>
+                          </a:rPr>
+                        </m:ctrlPr>
+                      </m:sSubPr>
+                      <m:e>
+                        <m:r>
+                          <a:rPr lang="en-US" i="1" dirty="0">
+                            <a:latin typeface="Cambria Math" panose="02040503050406030204" pitchFamily="18" charset="0"/>
+                          </a:rPr>
+                          <m:t>𝑥</m:t>
+                        </m:r>
+                      </m:e>
+                      <m:sub>
+                        <m:r>
+                          <a:rPr lang="en-US" b="0" i="1" dirty="0" smtClean="0">
+                            <a:latin typeface="Cambria Math" panose="02040503050406030204" pitchFamily="18" charset="0"/>
+                          </a:rPr>
+                          <m:t>𝑑</m:t>
+                        </m:r>
+                      </m:sub>
+                    </m:sSub>
+                  </m:oMath>
+                </a14:m>
+                <a:r>
+                  <a:rPr lang="en-US" dirty="0"/>
+                  <a:t>}</a:t>
+                </a:r>
+              </a:p>
+            </p:txBody>
+          </p:sp>
+        </mc:Choice>
+        <mc:Fallback>
+          <p:sp>
+            <p:nvSpPr>
+              <p:cNvPr id="11" name="TextBox 10">
+                <a:extLst>
+                  <a:ext uri="{FF2B5EF4-FFF2-40B4-BE49-F238E27FC236}">
+                    <a16:creationId xmlns:a16="http://schemas.microsoft.com/office/drawing/2014/main" id="{A720707C-7497-75B2-5582-D0BA209C025E}"/>
+                  </a:ext>
+                </a:extLst>
+              </p:cNvPr>
+              <p:cNvSpPr txBox="1">
+                <a:spLocks noRot="1" noChangeAspect="1" noMove="1" noResize="1" noEditPoints="1" noAdjustHandles="1" noChangeArrowheads="1" noChangeShapeType="1" noTextEdit="1"/>
+              </p:cNvSpPr>
+              <p:nvPr/>
+            </p:nvSpPr>
+            <p:spPr>
+              <a:xfrm>
+                <a:off x="2439067" y="1826813"/>
+                <a:ext cx="1775743" cy="276999"/>
+              </a:xfrm>
+              <a:prstGeom prst="rect">
+                <a:avLst/>
+              </a:prstGeom>
+              <a:blipFill>
+                <a:blip r:embed="rId3"/>
+                <a:stretch>
+                  <a:fillRect l="-3571" t="-27273" r="-5000" b="-54545"/>
+                </a:stretch>
+              </a:blipFill>
+            </p:spPr>
+            <p:txBody>
+              <a:bodyPr/>
+              <a:lstStyle/>
+              <a:p>
+                <a:r>
+                  <a:rPr lang="en-US">
+                    <a:noFill/>
+                  </a:rPr>
+                  <a:t> </a:t>
+                </a:r>
+              </a:p>
+            </p:txBody>
+          </p:sp>
+        </mc:Fallback>
+      </mc:AlternateContent>
+      <p:sp>
+        <p:nvSpPr>
+          <p:cNvPr id="13" name="Right Brace 12">
+            <a:extLst>
+              <a:ext uri="{FF2B5EF4-FFF2-40B4-BE49-F238E27FC236}">
+                <a16:creationId xmlns:a16="http://schemas.microsoft.com/office/drawing/2014/main" id="{0279B7F5-FFB7-44CF-03E8-44E192E38404}"/>
+              </a:ext>
+            </a:extLst>
+          </p:cNvPr>
+          <p:cNvSpPr/>
+          <p:nvPr/>
+        </p:nvSpPr>
+        <p:spPr>
+          <a:xfrm>
+            <a:off x="5987775" y="2584174"/>
+            <a:ext cx="274983" cy="3030408"/>
+          </a:xfrm>
+          <a:prstGeom prst="rightBrace">
+            <a:avLst/>
+          </a:prstGeom>
+        </p:spPr>
+        <p:style>
+          <a:lnRef idx="1">
+            <a:schemeClr val="dk1"/>
+          </a:lnRef>
+          <a:fillRef idx="0">
+            <a:schemeClr val="dk1"/>
+          </a:fillRef>
+          <a:effectRef idx="0">
+            <a:schemeClr val="dk1"/>
+          </a:effectRef>
+          <a:fontRef idx="minor">
+            <a:schemeClr val="tx1"/>
+          </a:fontRef>
+        </p:style>
+        <p:txBody>
+          <a:bodyPr rtlCol="0" anchor="ctr"/>
+          <a:lstStyle/>
+          <a:p>
+            <a:pPr algn="ctr"/>
+            <a:endParaRPr lang="en-US"/>
+          </a:p>
+        </p:txBody>
+      </p:sp>
+      <p:sp>
+        <p:nvSpPr>
+          <p:cNvPr id="15" name="Left Brace 14">
+            <a:extLst>
+              <a:ext uri="{FF2B5EF4-FFF2-40B4-BE49-F238E27FC236}">
+                <a16:creationId xmlns:a16="http://schemas.microsoft.com/office/drawing/2014/main" id="{2E451492-525F-BA2E-AB82-892A6765531C}"/>
+              </a:ext>
+            </a:extLst>
+          </p:cNvPr>
+          <p:cNvSpPr/>
+          <p:nvPr/>
+        </p:nvSpPr>
+        <p:spPr>
+          <a:xfrm rot="16200000">
+            <a:off x="3285227" y="4460747"/>
+            <a:ext cx="301904" cy="2788478"/>
+          </a:xfrm>
+          <a:prstGeom prst="leftBrace">
+            <a:avLst/>
+          </a:prstGeom>
+        </p:spPr>
+        <p:style>
+          <a:lnRef idx="1">
+            <a:schemeClr val="dk1"/>
+          </a:lnRef>
+          <a:fillRef idx="0">
+            <a:schemeClr val="dk1"/>
+          </a:fillRef>
+          <a:effectRef idx="0">
+            <a:schemeClr val="dk1"/>
+          </a:effectRef>
+          <a:fontRef idx="minor">
+            <a:schemeClr val="tx1"/>
+          </a:fontRef>
+        </p:style>
+        <p:txBody>
+          <a:bodyPr rtlCol="0" anchor="ctr"/>
+          <a:lstStyle/>
+          <a:p>
+            <a:pPr algn="ctr"/>
+            <a:endParaRPr lang="en-US"/>
+          </a:p>
+        </p:txBody>
+      </p:sp>
+      <mc:AlternateContent xmlns:mc="http://schemas.openxmlformats.org/markup-compatibility/2006">
+        <mc:Choice xmlns:a14="http://schemas.microsoft.com/office/drawing/2010/main" Requires="a14">
+          <p:sp>
+            <p:nvSpPr>
+              <p:cNvPr id="16" name="TextBox 15">
+                <a:extLst>
+                  <a:ext uri="{FF2B5EF4-FFF2-40B4-BE49-F238E27FC236}">
+                    <a16:creationId xmlns:a16="http://schemas.microsoft.com/office/drawing/2014/main" id="{87E55488-40C8-E859-71F2-613663AD3C55}"/>
+                  </a:ext>
+                </a:extLst>
+              </p:cNvPr>
+              <p:cNvSpPr txBox="1"/>
+              <p:nvPr/>
+            </p:nvSpPr>
+            <p:spPr>
+              <a:xfrm>
+                <a:off x="2977676" y="6095389"/>
+                <a:ext cx="1237134" cy="276999"/>
+              </a:xfrm>
+              <a:prstGeom prst="rect">
+                <a:avLst/>
+              </a:prstGeom>
+              <a:noFill/>
+            </p:spPr>
+            <p:txBody>
+              <a:bodyPr wrap="none" lIns="0" tIns="0" rIns="0" bIns="0" rtlCol="0">
+                <a:spAutoFit/>
+              </a:bodyPr>
+              <a:lstStyle/>
+              <a:p>
+                <a14:m>
+                  <m:oMath xmlns:m="http://schemas.openxmlformats.org/officeDocument/2006/math">
+                    <m:r>
+                      <a:rPr lang="en-US" b="0" i="1" smtClean="0">
+                        <a:latin typeface="Cambria Math" panose="02040503050406030204" pitchFamily="18" charset="0"/>
+                      </a:rPr>
+                      <m:t>𝑁</m:t>
+                    </m:r>
+                    <m:r>
+                      <a:rPr lang="en-US" b="0" i="1" smtClean="0">
+                        <a:latin typeface="Cambria Math" panose="02040503050406030204" pitchFamily="18" charset="0"/>
+                      </a:rPr>
+                      <m:t> × </m:t>
+                    </m:r>
+                    <m:r>
+                      <a:rPr lang="en-US" b="0" i="1" smtClean="0">
+                        <a:latin typeface="Cambria Math" panose="02040503050406030204" pitchFamily="18" charset="0"/>
+                        <a:ea typeface="Cambria Math" panose="02040503050406030204" pitchFamily="18" charset="0"/>
+                      </a:rPr>
+                      <m:t>𝑑</m:t>
+                    </m:r>
+                  </m:oMath>
+                </a14:m>
+                <a:r>
+                  <a:rPr lang="en-US" dirty="0"/>
+                  <a:t> matrix</a:t>
+                </a:r>
+              </a:p>
+            </p:txBody>
+          </p:sp>
+        </mc:Choice>
+        <mc:Fallback>
+          <p:sp>
+            <p:nvSpPr>
+              <p:cNvPr id="16" name="TextBox 15">
+                <a:extLst>
+                  <a:ext uri="{FF2B5EF4-FFF2-40B4-BE49-F238E27FC236}">
+                    <a16:creationId xmlns:a16="http://schemas.microsoft.com/office/drawing/2014/main" id="{87E55488-40C8-E859-71F2-613663AD3C55}"/>
+                  </a:ext>
+                </a:extLst>
+              </p:cNvPr>
+              <p:cNvSpPr txBox="1">
+                <a:spLocks noRot="1" noChangeAspect="1" noMove="1" noResize="1" noEditPoints="1" noAdjustHandles="1" noChangeArrowheads="1" noChangeShapeType="1" noTextEdit="1"/>
+              </p:cNvSpPr>
+              <p:nvPr/>
+            </p:nvSpPr>
+            <p:spPr>
+              <a:xfrm>
+                <a:off x="2977676" y="6095389"/>
+                <a:ext cx="1237134" cy="276999"/>
+              </a:xfrm>
+              <a:prstGeom prst="rect">
+                <a:avLst/>
+              </a:prstGeom>
+              <a:blipFill>
+                <a:blip r:embed="rId4"/>
+                <a:stretch>
+                  <a:fillRect l="-6122" t="-27273" r="-11224" b="-54545"/>
+                </a:stretch>
+              </a:blipFill>
+            </p:spPr>
+            <p:txBody>
+              <a:bodyPr/>
+              <a:lstStyle/>
+              <a:p>
+                <a:r>
+                  <a:rPr lang="en-US">
+                    <a:noFill/>
+                  </a:rPr>
+                  <a:t> </a:t>
+                </a:r>
+              </a:p>
+            </p:txBody>
+          </p:sp>
+        </mc:Fallback>
+      </mc:AlternateContent>
+      <mc:AlternateContent xmlns:mc="http://schemas.openxmlformats.org/markup-compatibility/2006">
+        <mc:Choice xmlns:a14="http://schemas.microsoft.com/office/drawing/2010/main" Requires="a14">
+          <p:sp>
+            <p:nvSpPr>
+              <p:cNvPr id="17" name="TextBox 16">
+                <a:extLst>
+                  <a:ext uri="{FF2B5EF4-FFF2-40B4-BE49-F238E27FC236}">
+                    <a16:creationId xmlns:a16="http://schemas.microsoft.com/office/drawing/2014/main" id="{5DF295D2-4973-34AF-4C82-9DB506C6B9C8}"/>
+                  </a:ext>
+                </a:extLst>
+              </p:cNvPr>
+              <p:cNvSpPr txBox="1"/>
+              <p:nvPr/>
+            </p:nvSpPr>
+            <p:spPr>
+              <a:xfrm>
+                <a:off x="5313799" y="1918699"/>
+                <a:ext cx="371384" cy="369332"/>
+              </a:xfrm>
+              <a:prstGeom prst="rect">
+                <a:avLst/>
+              </a:prstGeom>
+              <a:noFill/>
+            </p:spPr>
+            <p:txBody>
+              <a:bodyPr wrap="none" rtlCol="0">
+                <a:spAutoFit/>
+              </a:bodyPr>
+              <a:lstStyle/>
+              <a:p>
+                <a14:m>
+                  <m:oMathPara xmlns:m="http://schemas.openxmlformats.org/officeDocument/2006/math">
+                    <m:oMathParaPr>
+                      <m:jc m:val="centerGroup"/>
+                    </m:oMathParaPr>
+                    <m:oMath xmlns:m="http://schemas.openxmlformats.org/officeDocument/2006/math">
+                      <m:r>
+                        <a:rPr lang="en-US" b="0" i="1" smtClean="0">
+                          <a:latin typeface="Cambria Math" panose="02040503050406030204" pitchFamily="18" charset="0"/>
+                        </a:rPr>
+                        <m:t>𝑦</m:t>
+                      </m:r>
+                    </m:oMath>
+                  </m:oMathPara>
+                </a14:m>
+                <a:endParaRPr lang="en-US" dirty="0"/>
+              </a:p>
+            </p:txBody>
+          </p:sp>
+        </mc:Choice>
+        <mc:Fallback>
+          <p:sp>
+            <p:nvSpPr>
+              <p:cNvPr id="17" name="TextBox 16">
+                <a:extLst>
+                  <a:ext uri="{FF2B5EF4-FFF2-40B4-BE49-F238E27FC236}">
+                    <a16:creationId xmlns:a16="http://schemas.microsoft.com/office/drawing/2014/main" id="{5DF295D2-4973-34AF-4C82-9DB506C6B9C8}"/>
+                  </a:ext>
+                </a:extLst>
+              </p:cNvPr>
+              <p:cNvSpPr txBox="1">
+                <a:spLocks noRot="1" noChangeAspect="1" noMove="1" noResize="1" noEditPoints="1" noAdjustHandles="1" noChangeArrowheads="1" noChangeShapeType="1" noTextEdit="1"/>
+              </p:cNvSpPr>
+              <p:nvPr/>
+            </p:nvSpPr>
+            <p:spPr>
+              <a:xfrm>
+                <a:off x="5313799" y="1918699"/>
+                <a:ext cx="371384" cy="369332"/>
+              </a:xfrm>
+              <a:prstGeom prst="rect">
+                <a:avLst/>
+              </a:prstGeom>
+              <a:blipFill>
+                <a:blip r:embed="rId5"/>
+                <a:stretch>
+                  <a:fillRect b="-10345"/>
+                </a:stretch>
+              </a:blipFill>
+            </p:spPr>
+            <p:txBody>
+              <a:bodyPr/>
+              <a:lstStyle/>
+              <a:p>
+                <a:r>
+                  <a:rPr lang="en-US">
+                    <a:noFill/>
+                  </a:rPr>
+                  <a:t> </a:t>
+                </a:r>
+              </a:p>
+            </p:txBody>
+          </p:sp>
+        </mc:Fallback>
+      </mc:AlternateContent>
+      <p:sp>
+        <p:nvSpPr>
+          <p:cNvPr id="18" name="TextBox 17">
+            <a:extLst>
+              <a:ext uri="{FF2B5EF4-FFF2-40B4-BE49-F238E27FC236}">
+                <a16:creationId xmlns:a16="http://schemas.microsoft.com/office/drawing/2014/main" id="{1A6C8675-0C3F-76D7-D2E0-B5E6268443FD}"/>
+              </a:ext>
+            </a:extLst>
+          </p:cNvPr>
+          <p:cNvSpPr txBox="1"/>
+          <p:nvPr/>
+        </p:nvSpPr>
+        <p:spPr>
+          <a:xfrm>
+            <a:off x="501330" y="2589144"/>
+            <a:ext cx="977191" cy="369332"/>
+          </a:xfrm>
+          <a:prstGeom prst="rect">
+            <a:avLst/>
+          </a:prstGeom>
+          <a:noFill/>
+        </p:spPr>
+        <p:txBody>
+          <a:bodyPr wrap="none" rtlCol="0">
+            <a:spAutoFit/>
+          </a:bodyPr>
+          <a:lstStyle/>
+          <a:p>
+            <a:r>
+              <a:rPr lang="en-US" dirty="0"/>
+              <a:t>Example</a:t>
+            </a:r>
+          </a:p>
+        </p:txBody>
+      </p:sp>
+      <p:cxnSp>
+        <p:nvCxnSpPr>
+          <p:cNvPr id="20" name="Straight Arrow Connector 19">
+            <a:extLst>
+              <a:ext uri="{FF2B5EF4-FFF2-40B4-BE49-F238E27FC236}">
+                <a16:creationId xmlns:a16="http://schemas.microsoft.com/office/drawing/2014/main" id="{10C27FED-C5E6-D8F8-B218-FEBB5FE5464C}"/>
+              </a:ext>
+            </a:extLst>
+          </p:cNvPr>
+          <p:cNvCxnSpPr/>
+          <p:nvPr/>
+        </p:nvCxnSpPr>
+        <p:spPr>
+          <a:xfrm>
+            <a:off x="4964045" y="2777987"/>
+            <a:ext cx="263938" cy="0"/>
+          </a:xfrm>
+          <a:prstGeom prst="straightConnector1">
+            <a:avLst/>
+          </a:prstGeom>
+          <a:ln>
+            <a:tailEnd type="triangle"/>
+          </a:ln>
+        </p:spPr>
+        <p:style>
+          <a:lnRef idx="1">
+            <a:schemeClr val="accent1"/>
+          </a:lnRef>
+          <a:fillRef idx="0">
+            <a:schemeClr val="accent1"/>
+          </a:fillRef>
+          <a:effectRef idx="0">
+            <a:schemeClr val="accent1"/>
+          </a:effectRef>
+          <a:fontRef idx="minor">
+            <a:schemeClr val="tx1"/>
+          </a:fontRef>
+        </p:style>
+      </p:cxnSp>
+      <mc:AlternateContent xmlns:mc="http://schemas.openxmlformats.org/markup-compatibility/2006">
+        <mc:Choice xmlns:a14="http://schemas.microsoft.com/office/drawing/2010/main" Requires="a14">
+          <p:sp>
+            <p:nvSpPr>
+              <p:cNvPr id="21" name="TextBox 20">
+                <a:extLst>
+                  <a:ext uri="{FF2B5EF4-FFF2-40B4-BE49-F238E27FC236}">
+                    <a16:creationId xmlns:a16="http://schemas.microsoft.com/office/drawing/2014/main" id="{FB20469B-AA21-CC35-03BE-1EE15E42D965}"/>
+                  </a:ext>
+                </a:extLst>
+              </p:cNvPr>
+              <p:cNvSpPr txBox="1"/>
+              <p:nvPr/>
+            </p:nvSpPr>
+            <p:spPr>
+              <a:xfrm>
+                <a:off x="6410739" y="3914712"/>
+                <a:ext cx="1409681" cy="369332"/>
+              </a:xfrm>
+              <a:prstGeom prst="rect">
+                <a:avLst/>
+              </a:prstGeom>
+              <a:noFill/>
+            </p:spPr>
+            <p:txBody>
+              <a:bodyPr wrap="none" rtlCol="0">
+                <a:spAutoFit/>
+              </a:bodyPr>
+              <a:lstStyle/>
+              <a:p>
+                <a14:m>
+                  <m:oMath xmlns:m="http://schemas.openxmlformats.org/officeDocument/2006/math">
+                    <m:r>
+                      <a:rPr lang="en-US" b="0" i="1" smtClean="0">
+                        <a:latin typeface="Cambria Math" panose="02040503050406030204" pitchFamily="18" charset="0"/>
+                      </a:rPr>
+                      <m:t>1 </m:t>
+                    </m:r>
+                    <m:r>
+                      <a:rPr lang="en-US" b="0" i="1" smtClean="0">
+                        <a:latin typeface="Cambria Math" panose="02040503050406030204" pitchFamily="18" charset="0"/>
+                        <a:ea typeface="Cambria Math" panose="02040503050406030204" pitchFamily="18" charset="0"/>
+                      </a:rPr>
+                      <m:t>× </m:t>
+                    </m:r>
+                    <m:r>
+                      <a:rPr lang="en-US" b="0" i="1" smtClean="0">
+                        <a:latin typeface="Cambria Math" panose="02040503050406030204" pitchFamily="18" charset="0"/>
+                        <a:ea typeface="Cambria Math" panose="02040503050406030204" pitchFamily="18" charset="0"/>
+                      </a:rPr>
+                      <m:t>𝑁</m:t>
+                    </m:r>
+                  </m:oMath>
+                </a14:m>
+                <a:r>
+                  <a:rPr lang="en-US" dirty="0"/>
+                  <a:t> matrix</a:t>
+                </a:r>
+              </a:p>
+            </p:txBody>
+          </p:sp>
+        </mc:Choice>
+        <mc:Fallback>
+          <p:sp>
+            <p:nvSpPr>
+              <p:cNvPr id="21" name="TextBox 20">
+                <a:extLst>
+                  <a:ext uri="{FF2B5EF4-FFF2-40B4-BE49-F238E27FC236}">
+                    <a16:creationId xmlns:a16="http://schemas.microsoft.com/office/drawing/2014/main" id="{FB20469B-AA21-CC35-03BE-1EE15E42D965}"/>
+                  </a:ext>
+                </a:extLst>
+              </p:cNvPr>
+              <p:cNvSpPr txBox="1">
+                <a:spLocks noRot="1" noChangeAspect="1" noMove="1" noResize="1" noEditPoints="1" noAdjustHandles="1" noChangeArrowheads="1" noChangeShapeType="1" noTextEdit="1"/>
+              </p:cNvSpPr>
+              <p:nvPr/>
+            </p:nvSpPr>
+            <p:spPr>
+              <a:xfrm>
+                <a:off x="6410739" y="3914712"/>
+                <a:ext cx="1409681" cy="369332"/>
+              </a:xfrm>
+              <a:prstGeom prst="rect">
+                <a:avLst/>
+              </a:prstGeom>
+              <a:blipFill>
+                <a:blip r:embed="rId6"/>
+                <a:stretch>
+                  <a:fillRect t="-6667" r="-2679" b="-26667"/>
+                </a:stretch>
+              </a:blipFill>
+            </p:spPr>
+            <p:txBody>
+              <a:bodyPr/>
+              <a:lstStyle/>
+              <a:p>
+                <a:r>
+                  <a:rPr lang="en-US">
+                    <a:noFill/>
+                  </a:rPr>
+                  <a:t> </a:t>
+                </a:r>
+              </a:p>
+            </p:txBody>
+          </p:sp>
+        </mc:Fallback>
+      </mc:AlternateContent>
+    </p:spTree>
+    <p:extLst>
+      <p:ext uri="{BB962C8B-B14F-4D97-AF65-F5344CB8AC3E}">
+        <p14:creationId xmlns:p14="http://schemas.microsoft.com/office/powerpoint/2010/main" val="4270358168"/>
+      </p:ext>
+    </p:extLst>
+  </p:cSld>
+  <p:clrMapOvr>
+    <a:masterClrMapping/>
+  </p:clrMapOvr>
+</p:sld>
+</file>
+
+<file path=ppt/slides/slide4.xml><?xml version="1.0" encoding="utf-8"?>
+<p:sld xmlns:a="http://schemas.openxmlformats.org/drawingml/2006/main" xmlns:r="http://schemas.openxmlformats.org/officeDocument/2006/relationships" xmlns:p="http://schemas.openxmlformats.org/presentationml/2006/main">
+  <p:cSld>
+    <p:spTree>
+      <p:nvGrpSpPr>
+        <p:cNvPr id="1" name=""/>
+        <p:cNvGrpSpPr/>
+        <p:nvPr/>
+      </p:nvGrpSpPr>
+      <p:grpSpPr>
+        <a:xfrm>
+          <a:off x="0" y="0"/>
+          <a:ext cx="0" cy="0"/>
+          <a:chOff x="0" y="0"/>
+          <a:chExt cx="0" cy="0"/>
+        </a:xfrm>
+      </p:grpSpPr>
+      <p:sp>
+        <p:nvSpPr>
+          <p:cNvPr id="5" name="Rectangle 4">
+            <a:extLst>
+              <a:ext uri="{FF2B5EF4-FFF2-40B4-BE49-F238E27FC236}">
+                <a16:creationId xmlns:a16="http://schemas.microsoft.com/office/drawing/2014/main" id="{3234EDD3-DE7C-E7AA-0CA4-163D2702007C}"/>
+              </a:ext>
+            </a:extLst>
+          </p:cNvPr>
+          <p:cNvSpPr/>
+          <p:nvPr/>
+        </p:nvSpPr>
+        <p:spPr>
+          <a:xfrm>
+            <a:off x="2753139" y="1741940"/>
+            <a:ext cx="775252" cy="406208"/>
+          </a:xfrm>
+          <a:prstGeom prst="rect">
+            <a:avLst/>
+          </a:prstGeom>
+        </p:spPr>
+        <p:style>
+          <a:lnRef idx="2">
+            <a:schemeClr val="dk1"/>
+          </a:lnRef>
+          <a:fillRef idx="1">
+            <a:schemeClr val="lt1"/>
+          </a:fillRef>
+          <a:effectRef idx="0">
+            <a:schemeClr val="dk1"/>
+          </a:effectRef>
+          <a:fontRef idx="minor">
+            <a:schemeClr val="dk1"/>
+          </a:fontRef>
+        </p:style>
+        <p:txBody>
+          <a:bodyPr rtlCol="0" anchor="ctr"/>
+          <a:lstStyle/>
+          <a:p>
+            <a:pPr algn="ctr"/>
+            <a:r>
+              <a:rPr lang="en-US" dirty="0"/>
+              <a:t>Input</a:t>
+            </a:r>
+          </a:p>
+        </p:txBody>
+      </p:sp>
+      <p:sp>
+        <p:nvSpPr>
+          <p:cNvPr id="6" name="Rectangle 5">
+            <a:extLst>
+              <a:ext uri="{FF2B5EF4-FFF2-40B4-BE49-F238E27FC236}">
+                <a16:creationId xmlns:a16="http://schemas.microsoft.com/office/drawing/2014/main" id="{DE41D93C-A324-2BEA-8B23-07DB599F122A}"/>
+              </a:ext>
+            </a:extLst>
+          </p:cNvPr>
+          <p:cNvSpPr/>
+          <p:nvPr/>
+        </p:nvSpPr>
+        <p:spPr>
+          <a:xfrm>
+            <a:off x="4194312" y="1381539"/>
+            <a:ext cx="1736036" cy="1162879"/>
+          </a:xfrm>
+          <a:prstGeom prst="rect">
+            <a:avLst/>
+          </a:prstGeom>
+        </p:spPr>
+        <p:style>
+          <a:lnRef idx="2">
+            <a:schemeClr val="dk1"/>
+          </a:lnRef>
+          <a:fillRef idx="1">
+            <a:schemeClr val="lt1"/>
+          </a:fillRef>
+          <a:effectRef idx="0">
+            <a:schemeClr val="dk1"/>
+          </a:effectRef>
+          <a:fontRef idx="minor">
+            <a:schemeClr val="dk1"/>
+          </a:fontRef>
+        </p:style>
+        <p:txBody>
+          <a:bodyPr rtlCol="0" anchor="ctr"/>
+          <a:lstStyle/>
+          <a:p>
+            <a:pPr algn="ctr"/>
+            <a:r>
+              <a:rPr lang="en-US" dirty="0"/>
+              <a:t>ML Model</a:t>
+            </a:r>
+          </a:p>
+          <a:p>
+            <a:pPr algn="ctr"/>
+            <a:r>
+              <a:rPr lang="en-US" sz="1200" dirty="0"/>
+              <a:t>(mathematics functions)</a:t>
+            </a:r>
+          </a:p>
+        </p:txBody>
+      </p:sp>
+      <p:sp>
+        <p:nvSpPr>
+          <p:cNvPr id="8" name="TextBox 7">
+            <a:extLst>
+              <a:ext uri="{FF2B5EF4-FFF2-40B4-BE49-F238E27FC236}">
+                <a16:creationId xmlns:a16="http://schemas.microsoft.com/office/drawing/2014/main" id="{B6476745-2844-C064-979A-BCEC8B4E0D64}"/>
+              </a:ext>
+            </a:extLst>
+          </p:cNvPr>
+          <p:cNvSpPr txBox="1"/>
+          <p:nvPr/>
+        </p:nvSpPr>
+        <p:spPr>
+          <a:xfrm>
+            <a:off x="6781799" y="1696206"/>
+            <a:ext cx="1400586" cy="553998"/>
+          </a:xfrm>
+          <a:prstGeom prst="rect">
+            <a:avLst/>
+          </a:prstGeom>
+        </p:spPr>
+        <p:style>
+          <a:lnRef idx="2">
+            <a:schemeClr val="dk1"/>
+          </a:lnRef>
+          <a:fillRef idx="1">
+            <a:schemeClr val="lt1"/>
+          </a:fillRef>
+          <a:effectRef idx="0">
+            <a:schemeClr val="dk1"/>
+          </a:effectRef>
+          <a:fontRef idx="minor">
+            <a:schemeClr val="dk1"/>
+          </a:fontRef>
+        </p:style>
+        <p:txBody>
+          <a:bodyPr wrap="square" anchor="ctr">
+            <a:spAutoFit/>
+          </a:bodyPr>
+          <a:lstStyle/>
+          <a:p>
+            <a:pPr algn="ctr"/>
+            <a:r>
+              <a:rPr lang="en-US" sz="1800" dirty="0"/>
+              <a:t>Guess</a:t>
+            </a:r>
+          </a:p>
+          <a:p>
+            <a:pPr algn="ctr"/>
+            <a:r>
+              <a:rPr lang="en-US" sz="1200" dirty="0"/>
+              <a:t>(model predictions)</a:t>
+            </a:r>
+          </a:p>
+        </p:txBody>
+      </p:sp>
+      <p:cxnSp>
+        <p:nvCxnSpPr>
+          <p:cNvPr id="10" name="Straight Arrow Connector 9">
+            <a:extLst>
+              <a:ext uri="{FF2B5EF4-FFF2-40B4-BE49-F238E27FC236}">
+                <a16:creationId xmlns:a16="http://schemas.microsoft.com/office/drawing/2014/main" id="{EC07D783-45C8-AE66-3E12-B63A6BD7FD82}"/>
+              </a:ext>
+            </a:extLst>
+          </p:cNvPr>
+          <p:cNvCxnSpPr/>
+          <p:nvPr/>
+        </p:nvCxnSpPr>
+        <p:spPr>
+          <a:xfrm>
+            <a:off x="3637722" y="1945044"/>
+            <a:ext cx="417443" cy="0"/>
+          </a:xfrm>
+          <a:prstGeom prst="straightConnector1">
+            <a:avLst/>
+          </a:prstGeom>
+          <a:ln>
+            <a:tailEnd type="triangle"/>
+          </a:ln>
+        </p:spPr>
+        <p:style>
+          <a:lnRef idx="1">
+            <a:schemeClr val="dk1"/>
+          </a:lnRef>
+          <a:fillRef idx="0">
+            <a:schemeClr val="dk1"/>
+          </a:fillRef>
+          <a:effectRef idx="0">
+            <a:schemeClr val="dk1"/>
+          </a:effectRef>
+          <a:fontRef idx="minor">
+            <a:schemeClr val="tx1"/>
+          </a:fontRef>
+        </p:style>
+      </p:cxnSp>
+      <p:cxnSp>
+        <p:nvCxnSpPr>
+          <p:cNvPr id="15" name="Straight Arrow Connector 14">
+            <a:extLst>
+              <a:ext uri="{FF2B5EF4-FFF2-40B4-BE49-F238E27FC236}">
+                <a16:creationId xmlns:a16="http://schemas.microsoft.com/office/drawing/2014/main" id="{07C7C81C-5A56-33DC-3ADD-9254E40EA74F}"/>
+              </a:ext>
+            </a:extLst>
+          </p:cNvPr>
+          <p:cNvCxnSpPr/>
+          <p:nvPr/>
+        </p:nvCxnSpPr>
+        <p:spPr>
+          <a:xfrm>
+            <a:off x="6096000" y="1973205"/>
+            <a:ext cx="417443" cy="0"/>
+          </a:xfrm>
+          <a:prstGeom prst="straightConnector1">
+            <a:avLst/>
+          </a:prstGeom>
+          <a:ln>
+            <a:tailEnd type="triangle"/>
+          </a:ln>
+        </p:spPr>
+        <p:style>
+          <a:lnRef idx="1">
+            <a:schemeClr val="dk1"/>
+          </a:lnRef>
+          <a:fillRef idx="0">
+            <a:schemeClr val="dk1"/>
+          </a:fillRef>
+          <a:effectRef idx="0">
+            <a:schemeClr val="dk1"/>
+          </a:effectRef>
+          <a:fontRef idx="minor">
+            <a:schemeClr val="tx1"/>
+          </a:fontRef>
+        </p:style>
+      </p:cxnSp>
+    </p:spTree>
+    <p:extLst>
+      <p:ext uri="{BB962C8B-B14F-4D97-AF65-F5344CB8AC3E}">
+        <p14:creationId xmlns:p14="http://schemas.microsoft.com/office/powerpoint/2010/main" val="750734435"/>
+      </p:ext>
+    </p:extLst>
+  </p:cSld>
+  <p:clrMapOvr>
+    <a:masterClrMapping/>
+  </p:clrMapOvr>
+</p:sld>
+</file>
+
 <file path=ppt/theme/theme1.xml><?xml version="1.0" encoding="utf-8"?>
 <a:theme xmlns:a="http://schemas.openxmlformats.org/drawingml/2006/main" name="Office Theme">
   <a:themeElements>
